--- a/04_model_intro/R_model_intro.pptx
+++ b/04_model_intro/R_model_intro.pptx
@@ -421,8 +421,8 @@
         </p:nvSpPr>
         <p:spPr>
           <a:xfrm>
-            <a:off x="381287" y="685800"/>
-            <a:ext cx="6096299" cy="3429000"/>
+            <a:off x="381288" y="685800"/>
+            <a:ext cx="6096300" cy="3429000"/>
           </a:xfrm>
           <a:custGeom>
             <a:pathLst>
@@ -516,8 +516,8 @@
         </p:nvSpPr>
         <p:spPr>
           <a:xfrm>
-            <a:off x="381287" y="685800"/>
-            <a:ext cx="6096299" cy="3429000"/>
+            <a:off x="381288" y="685800"/>
+            <a:ext cx="6096300" cy="3429000"/>
           </a:xfrm>
           <a:custGeom>
             <a:pathLst>
@@ -611,8 +611,8 @@
         </p:nvSpPr>
         <p:spPr>
           <a:xfrm>
-            <a:off x="381287" y="685800"/>
-            <a:ext cx="6096299" cy="3429000"/>
+            <a:off x="381288" y="685800"/>
+            <a:ext cx="6096300" cy="3429000"/>
           </a:xfrm>
           <a:custGeom>
             <a:pathLst>
@@ -718,8 +718,8 @@
         </p:nvSpPr>
         <p:spPr>
           <a:xfrm>
-            <a:off x="381287" y="685800"/>
-            <a:ext cx="6096299" cy="3429000"/>
+            <a:off x="381288" y="685800"/>
+            <a:ext cx="6096300" cy="3429000"/>
           </a:xfrm>
           <a:custGeom>
             <a:pathLst>
@@ -875,8 +875,8 @@
         </p:nvSpPr>
         <p:spPr>
           <a:xfrm>
-            <a:off x="381287" y="685800"/>
-            <a:ext cx="6096299" cy="3429000"/>
+            <a:off x="381288" y="685800"/>
+            <a:ext cx="6096300" cy="3429000"/>
           </a:xfrm>
           <a:custGeom>
             <a:pathLst>
@@ -1125,8 +1125,8 @@
         </p:nvSpPr>
         <p:spPr>
           <a:xfrm>
-            <a:off x="381287" y="685800"/>
-            <a:ext cx="6096299" cy="3429000"/>
+            <a:off x="381288" y="685800"/>
+            <a:ext cx="6096300" cy="3429000"/>
           </a:xfrm>
           <a:custGeom>
             <a:pathLst>
@@ -1220,8 +1220,8 @@
         </p:nvSpPr>
         <p:spPr>
           <a:xfrm>
-            <a:off x="381287" y="685800"/>
-            <a:ext cx="6096299" cy="3429000"/>
+            <a:off x="381288" y="685800"/>
+            <a:ext cx="6096300" cy="3429000"/>
           </a:xfrm>
           <a:custGeom>
             <a:pathLst>
@@ -1315,8 +1315,8 @@
         </p:nvSpPr>
         <p:spPr>
           <a:xfrm>
-            <a:off x="381287" y="685800"/>
-            <a:ext cx="6096299" cy="3429000"/>
+            <a:off x="381288" y="685800"/>
+            <a:ext cx="6096300" cy="3429000"/>
           </a:xfrm>
           <a:custGeom>
             <a:pathLst>
@@ -1410,8 +1410,8 @@
         </p:nvSpPr>
         <p:spPr>
           <a:xfrm>
-            <a:off x="381287" y="685800"/>
-            <a:ext cx="6096299" cy="3429000"/>
+            <a:off x="381288" y="685800"/>
+            <a:ext cx="6096300" cy="3429000"/>
           </a:xfrm>
           <a:custGeom>
             <a:pathLst>
@@ -1742,7 +1742,7 @@
         </p:nvSpPr>
         <p:spPr>
           <a:xfrm>
-            <a:off x="8472457" y="4663216"/>
+            <a:off x="8472458" y="4663217"/>
             <a:ext cx="548700" cy="393600"/>
           </a:xfrm>
           <a:prstGeom prst="rect">
@@ -1968,7 +1968,7 @@
         </p:nvSpPr>
         <p:spPr>
           <a:xfrm>
-            <a:off x="8472457" y="4663216"/>
+            <a:off x="8472458" y="4663217"/>
             <a:ext cx="548700" cy="393600"/>
           </a:xfrm>
           <a:prstGeom prst="rect">
@@ -2029,7 +2029,7 @@
         </p:nvSpPr>
         <p:spPr>
           <a:xfrm>
-            <a:off x="8472457" y="4663216"/>
+            <a:off x="8472458" y="4663217"/>
             <a:ext cx="548700" cy="393600"/>
           </a:xfrm>
           <a:prstGeom prst="rect">
@@ -2090,7 +2090,7 @@
         </p:nvSpPr>
         <p:spPr>
           <a:xfrm>
-            <a:off x="685800" y="841773"/>
+            <a:off x="685801" y="841773"/>
             <a:ext cx="7772400" cy="1790700"/>
           </a:xfrm>
           <a:prstGeom prst="rect">
@@ -2196,7 +2196,7 @@
         </p:nvSpPr>
         <p:spPr>
           <a:xfrm>
-            <a:off x="1143001" y="2701531"/>
+            <a:off x="1143001" y="2701532"/>
             <a:ext cx="6858000" cy="1241700"/>
           </a:xfrm>
           <a:prstGeom prst="rect">
@@ -2422,7 +2422,7 @@
         </p:nvSpPr>
         <p:spPr>
           <a:xfrm>
-            <a:off x="628650" y="4767269"/>
+            <a:off x="628651" y="4767269"/>
             <a:ext cx="2057400" cy="273900"/>
           </a:xfrm>
           <a:prstGeom prst="rect">
@@ -2748,8 +2748,8 @@
         </p:nvSpPr>
         <p:spPr>
           <a:xfrm>
-            <a:off x="6457955" y="4767269"/>
-            <a:ext cx="2057399" cy="273900"/>
+            <a:off x="6457956" y="4767269"/>
+            <a:ext cx="2057400" cy="273900"/>
           </a:xfrm>
           <a:prstGeom prst="rect">
             <a:avLst/>
@@ -2822,7 +2822,7 @@
         </p:nvSpPr>
         <p:spPr>
           <a:xfrm>
-            <a:off x="628650" y="273845"/>
+            <a:off x="628651" y="273845"/>
             <a:ext cx="7886700" cy="994200"/>
           </a:xfrm>
           <a:prstGeom prst="rect">
@@ -2928,7 +2928,7 @@
         </p:nvSpPr>
         <p:spPr>
           <a:xfrm>
-            <a:off x="628650" y="1369220"/>
+            <a:off x="628651" y="1369220"/>
             <a:ext cx="7886700" cy="3263400"/>
           </a:xfrm>
           <a:prstGeom prst="rect">
@@ -3163,7 +3163,7 @@
         </p:nvSpPr>
         <p:spPr>
           <a:xfrm>
-            <a:off x="628650" y="4767269"/>
+            <a:off x="628651" y="4767269"/>
             <a:ext cx="2057400" cy="273900"/>
           </a:xfrm>
           <a:prstGeom prst="rect">
@@ -3489,8 +3489,8 @@
         </p:nvSpPr>
         <p:spPr>
           <a:xfrm>
-            <a:off x="6457955" y="4767269"/>
-            <a:ext cx="2057399" cy="273900"/>
+            <a:off x="6457956" y="4767269"/>
+            <a:ext cx="2057400" cy="273900"/>
           </a:xfrm>
           <a:prstGeom prst="rect">
             <a:avLst/>
@@ -3669,7 +3669,7 @@
         </p:nvSpPr>
         <p:spPr>
           <a:xfrm>
-            <a:off x="623888" y="3442102"/>
+            <a:off x="623888" y="3442103"/>
             <a:ext cx="7886700" cy="1125300"/>
           </a:xfrm>
           <a:prstGeom prst="rect">
@@ -3895,7 +3895,7 @@
         </p:nvSpPr>
         <p:spPr>
           <a:xfrm>
-            <a:off x="628650" y="4767269"/>
+            <a:off x="628651" y="4767269"/>
             <a:ext cx="2057400" cy="273900"/>
           </a:xfrm>
           <a:prstGeom prst="rect">
@@ -4221,8 +4221,8 @@
         </p:nvSpPr>
         <p:spPr>
           <a:xfrm>
-            <a:off x="6457955" y="4767269"/>
-            <a:ext cx="2057399" cy="273900"/>
+            <a:off x="6457956" y="4767269"/>
+            <a:ext cx="2057400" cy="273900"/>
           </a:xfrm>
           <a:prstGeom prst="rect">
             <a:avLst/>
@@ -4295,7 +4295,7 @@
         </p:nvSpPr>
         <p:spPr>
           <a:xfrm>
-            <a:off x="628650" y="273845"/>
+            <a:off x="628651" y="273845"/>
             <a:ext cx="7886700" cy="994200"/>
           </a:xfrm>
           <a:prstGeom prst="rect">
@@ -4871,7 +4871,7 @@
         </p:nvSpPr>
         <p:spPr>
           <a:xfrm>
-            <a:off x="628650" y="4767269"/>
+            <a:off x="628651" y="4767269"/>
             <a:ext cx="2057400" cy="273900"/>
           </a:xfrm>
           <a:prstGeom prst="rect">
@@ -5197,8 +5197,8 @@
         </p:nvSpPr>
         <p:spPr>
           <a:xfrm>
-            <a:off x="6457955" y="4767269"/>
-            <a:ext cx="2057399" cy="273900"/>
+            <a:off x="6457956" y="4767269"/>
+            <a:ext cx="2057400" cy="273900"/>
           </a:xfrm>
           <a:prstGeom prst="rect">
             <a:avLst/>
@@ -5377,7 +5377,7 @@
         </p:nvSpPr>
         <p:spPr>
           <a:xfrm>
-            <a:off x="629842" y="1260873"/>
+            <a:off x="629843" y="1260874"/>
             <a:ext cx="3868500" cy="618000"/>
           </a:xfrm>
           <a:prstGeom prst="rect">
@@ -5603,8 +5603,8 @@
         </p:nvSpPr>
         <p:spPr>
           <a:xfrm>
-            <a:off x="629842" y="1878808"/>
-            <a:ext cx="3868500" cy="2763299"/>
+            <a:off x="629843" y="1878809"/>
+            <a:ext cx="3868500" cy="2763300"/>
           </a:xfrm>
           <a:prstGeom prst="rect">
             <a:avLst/>
@@ -5838,7 +5838,7 @@
         </p:nvSpPr>
         <p:spPr>
           <a:xfrm>
-            <a:off x="4629155" y="1260873"/>
+            <a:off x="4629155" y="1260874"/>
             <a:ext cx="3887400" cy="618000"/>
           </a:xfrm>
           <a:prstGeom prst="rect">
@@ -6064,8 +6064,8 @@
         </p:nvSpPr>
         <p:spPr>
           <a:xfrm>
-            <a:off x="4629155" y="1878808"/>
-            <a:ext cx="3887400" cy="2763299"/>
+            <a:off x="4629155" y="1878809"/>
+            <a:ext cx="3887400" cy="2763300"/>
           </a:xfrm>
           <a:prstGeom prst="rect">
             <a:avLst/>
@@ -6299,7 +6299,7 @@
         </p:nvSpPr>
         <p:spPr>
           <a:xfrm>
-            <a:off x="628650" y="4767269"/>
+            <a:off x="628651" y="4767269"/>
             <a:ext cx="2057400" cy="273900"/>
           </a:xfrm>
           <a:prstGeom prst="rect">
@@ -6625,8 +6625,8 @@
         </p:nvSpPr>
         <p:spPr>
           <a:xfrm>
-            <a:off x="6457955" y="4767269"/>
-            <a:ext cx="2057399" cy="273900"/>
+            <a:off x="6457956" y="4767269"/>
+            <a:ext cx="2057400" cy="273900"/>
           </a:xfrm>
           <a:prstGeom prst="rect">
             <a:avLst/>
@@ -6699,7 +6699,7 @@
         </p:nvSpPr>
         <p:spPr>
           <a:xfrm>
-            <a:off x="628650" y="273845"/>
+            <a:off x="628651" y="273845"/>
             <a:ext cx="7886700" cy="994200"/>
           </a:xfrm>
           <a:prstGeom prst="rect">
@@ -6805,7 +6805,7 @@
         </p:nvSpPr>
         <p:spPr>
           <a:xfrm>
-            <a:off x="628650" y="4767269"/>
+            <a:off x="628651" y="4767269"/>
             <a:ext cx="2057400" cy="273900"/>
           </a:xfrm>
           <a:prstGeom prst="rect">
@@ -7131,8 +7131,8 @@
         </p:nvSpPr>
         <p:spPr>
           <a:xfrm>
-            <a:off x="6457955" y="4767269"/>
-            <a:ext cx="2057399" cy="273900"/>
+            <a:off x="6457956" y="4767269"/>
+            <a:ext cx="2057400" cy="273900"/>
           </a:xfrm>
           <a:prstGeom prst="rect">
             <a:avLst/>
@@ -7205,7 +7205,7 @@
         </p:nvSpPr>
         <p:spPr>
           <a:xfrm>
-            <a:off x="628650" y="4767269"/>
+            <a:off x="628651" y="4767269"/>
             <a:ext cx="2057400" cy="273900"/>
           </a:xfrm>
           <a:prstGeom prst="rect">
@@ -7531,8 +7531,8 @@
         </p:nvSpPr>
         <p:spPr>
           <a:xfrm>
-            <a:off x="6457955" y="4767269"/>
-            <a:ext cx="2057399" cy="273900"/>
+            <a:off x="6457956" y="4767269"/>
+            <a:ext cx="2057400" cy="273900"/>
           </a:xfrm>
           <a:prstGeom prst="rect">
             <a:avLst/>
@@ -7711,7 +7711,7 @@
         </p:nvSpPr>
         <p:spPr>
           <a:xfrm>
-            <a:off x="3887394" y="740570"/>
+            <a:off x="3887394" y="740571"/>
             <a:ext cx="4629000" cy="3655200"/>
           </a:xfrm>
           <a:prstGeom prst="rect">
@@ -7946,8 +7946,8 @@
         </p:nvSpPr>
         <p:spPr>
           <a:xfrm>
-            <a:off x="629841" y="1543051"/>
-            <a:ext cx="2949000" cy="2858699"/>
+            <a:off x="629841" y="1543052"/>
+            <a:ext cx="2949000" cy="2858700"/>
           </a:xfrm>
           <a:prstGeom prst="rect">
             <a:avLst/>
@@ -8172,7 +8172,7 @@
         </p:nvSpPr>
         <p:spPr>
           <a:xfrm>
-            <a:off x="628650" y="4767269"/>
+            <a:off x="628651" y="4767269"/>
             <a:ext cx="2057400" cy="273900"/>
           </a:xfrm>
           <a:prstGeom prst="rect">
@@ -8498,8 +8498,8 @@
         </p:nvSpPr>
         <p:spPr>
           <a:xfrm>
-            <a:off x="6457955" y="4767269"/>
-            <a:ext cx="2057399" cy="273900"/>
+            <a:off x="6457956" y="4767269"/>
+            <a:ext cx="2057400" cy="273900"/>
           </a:xfrm>
           <a:prstGeom prst="rect">
             <a:avLst/>
@@ -8659,7 +8659,7 @@
         </p:nvSpPr>
         <p:spPr>
           <a:xfrm>
-            <a:off x="8472457" y="4663216"/>
+            <a:off x="8472458" y="4663217"/>
             <a:ext cx="548700" cy="393600"/>
           </a:xfrm>
           <a:prstGeom prst="rect">
@@ -8826,7 +8826,7 @@
         </p:nvSpPr>
         <p:spPr>
           <a:xfrm>
-            <a:off x="3887394" y="740570"/>
+            <a:off x="3887394" y="740571"/>
             <a:ext cx="4629000" cy="3655200"/>
           </a:xfrm>
           <a:prstGeom prst="rect">
@@ -9061,8 +9061,8 @@
         </p:nvSpPr>
         <p:spPr>
           <a:xfrm>
-            <a:off x="629841" y="1543051"/>
-            <a:ext cx="2949000" cy="2858699"/>
+            <a:off x="629841" y="1543052"/>
+            <a:ext cx="2949000" cy="2858700"/>
           </a:xfrm>
           <a:prstGeom prst="rect">
             <a:avLst/>
@@ -9287,7 +9287,7 @@
         </p:nvSpPr>
         <p:spPr>
           <a:xfrm>
-            <a:off x="628650" y="4767269"/>
+            <a:off x="628651" y="4767269"/>
             <a:ext cx="2057400" cy="273900"/>
           </a:xfrm>
           <a:prstGeom prst="rect">
@@ -9613,8 +9613,8 @@
         </p:nvSpPr>
         <p:spPr>
           <a:xfrm>
-            <a:off x="6457955" y="4767269"/>
-            <a:ext cx="2057399" cy="273900"/>
+            <a:off x="6457956" y="4767269"/>
+            <a:ext cx="2057400" cy="273900"/>
           </a:xfrm>
           <a:prstGeom prst="rect">
             <a:avLst/>
@@ -9687,7 +9687,7 @@
         </p:nvSpPr>
         <p:spPr>
           <a:xfrm>
-            <a:off x="628650" y="273845"/>
+            <a:off x="628651" y="273845"/>
             <a:ext cx="7886700" cy="994200"/>
           </a:xfrm>
           <a:prstGeom prst="rect">
@@ -9793,7 +9793,7 @@
         </p:nvSpPr>
         <p:spPr>
           <a:xfrm rot="5400000">
-            <a:off x="2940307" y="-942429"/>
+            <a:off x="2940308" y="-942430"/>
             <a:ext cx="3263400" cy="7886700"/>
           </a:xfrm>
           <a:prstGeom prst="rect">
@@ -10028,7 +10028,7 @@
         </p:nvSpPr>
         <p:spPr>
           <a:xfrm>
-            <a:off x="628650" y="4767269"/>
+            <a:off x="628651" y="4767269"/>
             <a:ext cx="2057400" cy="273900"/>
           </a:xfrm>
           <a:prstGeom prst="rect">
@@ -10354,8 +10354,8 @@
         </p:nvSpPr>
         <p:spPr>
           <a:xfrm>
-            <a:off x="6457955" y="4767269"/>
-            <a:ext cx="2057399" cy="273900"/>
+            <a:off x="6457956" y="4767269"/>
+            <a:ext cx="2057400" cy="273900"/>
           </a:xfrm>
           <a:prstGeom prst="rect">
             <a:avLst/>
@@ -10428,7 +10428,7 @@
         </p:nvSpPr>
         <p:spPr>
           <a:xfrm rot="5400000">
-            <a:off x="5350057" y="1467543"/>
+            <a:off x="5350058" y="1467544"/>
             <a:ext cx="4359000" cy="1971600"/>
           </a:xfrm>
           <a:prstGeom prst="rect">
@@ -10534,7 +10534,7 @@
         </p:nvSpPr>
         <p:spPr>
           <a:xfrm rot="5400000">
-            <a:off x="1349630" y="-446906"/>
+            <a:off x="1349631" y="-446906"/>
             <a:ext cx="4359000" cy="5800500"/>
           </a:xfrm>
           <a:prstGeom prst="rect">
@@ -10769,7 +10769,7 @@
         </p:nvSpPr>
         <p:spPr>
           <a:xfrm>
-            <a:off x="628650" y="4767269"/>
+            <a:off x="628651" y="4767269"/>
             <a:ext cx="2057400" cy="273900"/>
           </a:xfrm>
           <a:prstGeom prst="rect">
@@ -11095,8 +11095,8 @@
         </p:nvSpPr>
         <p:spPr>
           <a:xfrm>
-            <a:off x="6457955" y="4767269"/>
-            <a:ext cx="2057399" cy="273900"/>
+            <a:off x="6457956" y="4767269"/>
+            <a:ext cx="2057400" cy="273900"/>
           </a:xfrm>
           <a:prstGeom prst="rect">
             <a:avLst/>
@@ -11325,7 +11325,7 @@
         </p:nvSpPr>
         <p:spPr>
           <a:xfrm>
-            <a:off x="8472457" y="4663216"/>
+            <a:off x="8472458" y="4663217"/>
             <a:ext cx="548700" cy="393600"/>
           </a:xfrm>
           <a:prstGeom prst="rect">
@@ -11638,7 +11638,7 @@
         </p:nvSpPr>
         <p:spPr>
           <a:xfrm>
-            <a:off x="8472457" y="4663216"/>
+            <a:off x="8472458" y="4663217"/>
             <a:ext cx="548700" cy="393600"/>
           </a:xfrm>
           <a:prstGeom prst="rect">
@@ -11777,7 +11777,7 @@
         </p:nvSpPr>
         <p:spPr>
           <a:xfrm>
-            <a:off x="8472457" y="4663216"/>
+            <a:off x="8472458" y="4663217"/>
             <a:ext cx="548700" cy="393600"/>
           </a:xfrm>
           <a:prstGeom prst="rect">
@@ -12012,7 +12012,7 @@
         </p:nvSpPr>
         <p:spPr>
           <a:xfrm>
-            <a:off x="8472457" y="4663216"/>
+            <a:off x="8472458" y="4663217"/>
             <a:ext cx="548700" cy="393600"/>
           </a:xfrm>
           <a:prstGeom prst="rect">
@@ -12160,7 +12160,7 @@
         </p:nvSpPr>
         <p:spPr>
           <a:xfrm>
-            <a:off x="8472457" y="4663216"/>
+            <a:off x="8472458" y="4663217"/>
             <a:ext cx="548700" cy="393600"/>
           </a:xfrm>
           <a:prstGeom prst="rect">
@@ -12576,7 +12576,7 @@
         </p:nvSpPr>
         <p:spPr>
           <a:xfrm>
-            <a:off x="8472457" y="4663216"/>
+            <a:off x="8472458" y="4663217"/>
             <a:ext cx="548700" cy="393600"/>
           </a:xfrm>
           <a:prstGeom prst="rect">
@@ -12674,7 +12674,7 @@
         </p:nvSpPr>
         <p:spPr>
           <a:xfrm>
-            <a:off x="8472457" y="4663216"/>
+            <a:off x="8472458" y="4663217"/>
             <a:ext cx="548700" cy="393600"/>
           </a:xfrm>
           <a:prstGeom prst="rect">
@@ -13114,7 +13114,7 @@
         </p:nvSpPr>
         <p:spPr>
           <a:xfrm>
-            <a:off x="8472457" y="4663216"/>
+            <a:off x="8472458" y="4663217"/>
             <a:ext cx="548700" cy="393600"/>
           </a:xfrm>
           <a:prstGeom prst="rect">
@@ -13642,7 +13642,7 @@
         </p:nvSpPr>
         <p:spPr>
           <a:xfrm>
-            <a:off x="628650" y="273845"/>
+            <a:off x="628651" y="273845"/>
             <a:ext cx="7886700" cy="994200"/>
           </a:xfrm>
           <a:prstGeom prst="rect">
@@ -13757,7 +13757,7 @@
         </p:nvSpPr>
         <p:spPr>
           <a:xfrm>
-            <a:off x="628650" y="1369220"/>
+            <a:off x="628651" y="1369220"/>
             <a:ext cx="7886700" cy="3263400"/>
           </a:xfrm>
           <a:prstGeom prst="rect">
@@ -13992,7 +13992,7 @@
         </p:nvSpPr>
         <p:spPr>
           <a:xfrm>
-            <a:off x="628650" y="4767269"/>
+            <a:off x="628651" y="4767269"/>
             <a:ext cx="2057400" cy="273900"/>
           </a:xfrm>
           <a:prstGeom prst="rect">
@@ -14336,8 +14336,8 @@
         </p:nvSpPr>
         <p:spPr>
           <a:xfrm>
-            <a:off x="6457955" y="4767269"/>
-            <a:ext cx="2057399" cy="273900"/>
+            <a:off x="6457956" y="4767269"/>
+            <a:ext cx="2057400" cy="273900"/>
           </a:xfrm>
           <a:prstGeom prst="rect">
             <a:avLst/>
@@ -14889,7 +14889,7 @@
         </p:nvSpPr>
         <p:spPr>
           <a:xfrm>
-            <a:off x="628650" y="273845"/>
+            <a:off x="628651" y="273845"/>
             <a:ext cx="7886700" cy="994200"/>
           </a:xfrm>
           <a:prstGeom prst="rect">
@@ -14925,7 +14925,7 @@
         </p:nvSpPr>
         <p:spPr>
           <a:xfrm>
-            <a:off x="628650" y="1369220"/>
+            <a:off x="628651" y="1369220"/>
             <a:ext cx="7886700" cy="3263400"/>
           </a:xfrm>
           <a:prstGeom prst="rect">
@@ -14967,8 +14967,8 @@
         </p:blipFill>
         <p:spPr>
           <a:xfrm>
-            <a:off x="1" y="1320703"/>
-            <a:ext cx="9144000" cy="3360444"/>
+            <a:off x="1" y="1320704"/>
+            <a:ext cx="9144001" cy="3360444"/>
           </a:xfrm>
           <a:prstGeom prst="rect">
             <a:avLst/>
@@ -15014,7 +15014,7 @@
         </p:nvSpPr>
         <p:spPr>
           <a:xfrm>
-            <a:off x="628650" y="273845"/>
+            <a:off x="628651" y="273845"/>
             <a:ext cx="7886700" cy="994200"/>
           </a:xfrm>
           <a:prstGeom prst="rect">
@@ -15050,7 +15050,7 @@
         </p:nvSpPr>
         <p:spPr>
           <a:xfrm>
-            <a:off x="628650" y="1369220"/>
+            <a:off x="628651" y="1369220"/>
             <a:ext cx="7886700" cy="3263400"/>
           </a:xfrm>
           <a:prstGeom prst="rect">
@@ -15203,7 +15203,7 @@
         </p:nvSpPr>
         <p:spPr>
           <a:xfrm>
-            <a:off x="628650" y="273845"/>
+            <a:off x="628651" y="273845"/>
             <a:ext cx="7886700" cy="994200"/>
           </a:xfrm>
           <a:prstGeom prst="rect">
@@ -15243,7 +15243,7 @@
         </p:nvSpPr>
         <p:spPr>
           <a:xfrm>
-            <a:off x="628650" y="1369220"/>
+            <a:off x="628651" y="1369220"/>
             <a:ext cx="7886700" cy="3263400"/>
           </a:xfrm>
           <a:prstGeom prst="rect">
@@ -15316,7 +15316,7 @@
         </p:nvSpPr>
         <p:spPr>
           <a:xfrm>
-            <a:off x="628650" y="273845"/>
+            <a:off x="628651" y="273845"/>
             <a:ext cx="7886700" cy="994200"/>
           </a:xfrm>
           <a:prstGeom prst="rect">
@@ -15352,7 +15352,7 @@
         </p:nvSpPr>
         <p:spPr>
           <a:xfrm>
-            <a:off x="628650" y="1369220"/>
+            <a:off x="628651" y="1369220"/>
             <a:ext cx="7886700" cy="3263400"/>
           </a:xfrm>
           <a:prstGeom prst="rect">
@@ -15447,7 +15447,7 @@
         </p:nvSpPr>
         <p:spPr>
           <a:xfrm>
-            <a:off x="628650" y="273845"/>
+            <a:off x="628651" y="273845"/>
             <a:ext cx="7886700" cy="994200"/>
           </a:xfrm>
           <a:prstGeom prst="rect">
@@ -15483,7 +15483,7 @@
         </p:nvSpPr>
         <p:spPr>
           <a:xfrm>
-            <a:off x="628650" y="1369220"/>
+            <a:off x="628651" y="1369220"/>
             <a:ext cx="7886700" cy="3263400"/>
           </a:xfrm>
           <a:prstGeom prst="rect">
@@ -15525,8 +15525,8 @@
         </p:blipFill>
         <p:spPr>
           <a:xfrm>
-            <a:off x="571436" y="558179"/>
-            <a:ext cx="8001124" cy="4027132"/>
+            <a:off x="571437" y="558180"/>
+            <a:ext cx="8001125" cy="4027133"/>
           </a:xfrm>
           <a:prstGeom prst="rect">
             <a:avLst/>
@@ -15572,7 +15572,7 @@
         </p:nvSpPr>
         <p:spPr>
           <a:xfrm>
-            <a:off x="628650" y="273845"/>
+            <a:off x="628651" y="273845"/>
             <a:ext cx="7886700" cy="994200"/>
           </a:xfrm>
           <a:prstGeom prst="rect">
@@ -15613,7 +15613,7 @@
         </p:nvSpPr>
         <p:spPr>
           <a:xfrm>
-            <a:off x="628650" y="1369220"/>
+            <a:off x="628651" y="1369220"/>
             <a:ext cx="7886700" cy="3263400"/>
           </a:xfrm>
           <a:prstGeom prst="rect">
@@ -15737,7 +15737,7 @@
         </p:nvSpPr>
         <p:spPr>
           <a:xfrm>
-            <a:off x="628650" y="273845"/>
+            <a:off x="628651" y="273845"/>
             <a:ext cx="7886700" cy="994200"/>
           </a:xfrm>
           <a:prstGeom prst="rect">
@@ -15780,7 +15780,7 @@
         <p:spPr>
           <a:xfrm>
             <a:off x="1703292" y="1267998"/>
-            <a:ext cx="4303221" cy="2151604"/>
+            <a:ext cx="4303221" cy="2151605"/>
           </a:xfrm>
           <a:prstGeom prst="rect">
             <a:avLst/>
@@ -15807,8 +15807,8 @@
         </p:blipFill>
         <p:spPr>
           <a:xfrm>
-            <a:off x="2904544" y="3419606"/>
-            <a:ext cx="2501346" cy="914278"/>
+            <a:off x="2904545" y="3419606"/>
+            <a:ext cx="2501347" cy="914278"/>
           </a:xfrm>
           <a:prstGeom prst="rect">
             <a:avLst/>
@@ -15854,7 +15854,7 @@
         </p:nvSpPr>
         <p:spPr>
           <a:xfrm>
-            <a:off x="628650" y="273845"/>
+            <a:off x="628651" y="273845"/>
             <a:ext cx="7886700" cy="994200"/>
           </a:xfrm>
           <a:prstGeom prst="rect">
@@ -15890,7 +15890,7 @@
         </p:nvSpPr>
         <p:spPr>
           <a:xfrm>
-            <a:off x="628650" y="1369220"/>
+            <a:off x="628651" y="1369220"/>
             <a:ext cx="7886700" cy="3263400"/>
           </a:xfrm>
           <a:prstGeom prst="rect">
@@ -15979,7 +15979,7 @@
         </p:nvSpPr>
         <p:spPr>
           <a:xfrm>
-            <a:off x="628650" y="273845"/>
+            <a:off x="628651" y="273845"/>
             <a:ext cx="7886700" cy="994200"/>
           </a:xfrm>
           <a:prstGeom prst="rect">
@@ -16015,7 +16015,7 @@
         </p:nvSpPr>
         <p:spPr>
           <a:xfrm>
-            <a:off x="628650" y="1369220"/>
+            <a:off x="628651" y="1369220"/>
             <a:ext cx="7886700" cy="3263400"/>
           </a:xfrm>
           <a:prstGeom prst="rect">
@@ -16088,7 +16088,7 @@
         </p:nvSpPr>
         <p:spPr>
           <a:xfrm>
-            <a:off x="628650" y="273845"/>
+            <a:off x="628651" y="273845"/>
             <a:ext cx="7886700" cy="994200"/>
           </a:xfrm>
           <a:prstGeom prst="rect">
@@ -16128,7 +16128,7 @@
         </p:nvSpPr>
         <p:spPr>
           <a:xfrm>
-            <a:off x="628650" y="1369220"/>
+            <a:off x="628651" y="1369220"/>
             <a:ext cx="7886700" cy="3263400"/>
           </a:xfrm>
           <a:prstGeom prst="rect">
@@ -16163,9 +16163,9 @@
 </file>
 
 <file path=ppt/theme/theme1.xml><?xml version="1.0" encoding="utf-8"?>
-<a:theme xmlns:a="http://schemas.openxmlformats.org/drawingml/2006/main" xmlns:r="http://schemas.openxmlformats.org/officeDocument/2006/relationships" name="Simple Light">
+<a:theme xmlns:a="http://schemas.openxmlformats.org/drawingml/2006/main" xmlns:r="http://schemas.openxmlformats.org/officeDocument/2006/relationships" name="Custom Theme">
   <a:themeElements>
-    <a:clrScheme name="Simple Light">
+    <a:clrScheme name="Default">
       <a:dk1>
         <a:srgbClr val="000000"/>
       </a:dk1>
@@ -16173,34 +16173,34 @@
         <a:srgbClr val="FFFFFF"/>
       </a:lt1>
       <a:dk2>
-        <a:srgbClr val="595959"/>
+        <a:srgbClr val="158158"/>
       </a:dk2>
       <a:lt2>
-        <a:srgbClr val="EEEEEE"/>
+        <a:srgbClr val="F3F3F3"/>
       </a:lt2>
       <a:accent1>
-        <a:srgbClr val="FFAB40"/>
+        <a:srgbClr val="058DC7"/>
       </a:accent1>
       <a:accent2>
-        <a:srgbClr val="212121"/>
+        <a:srgbClr val="50B432"/>
       </a:accent2>
       <a:accent3>
-        <a:srgbClr val="78909C"/>
+        <a:srgbClr val="ED561B"/>
       </a:accent3>
       <a:accent4>
-        <a:srgbClr val="FFAB40"/>
+        <a:srgbClr val="EDEF00"/>
       </a:accent4>
       <a:accent5>
-        <a:srgbClr val="0097A7"/>
+        <a:srgbClr val="24CBE5"/>
       </a:accent5>
       <a:accent6>
-        <a:srgbClr val="EEFF41"/>
+        <a:srgbClr val="64E572"/>
       </a:accent6>
       <a:hlink>
-        <a:srgbClr val="0097A7"/>
+        <a:srgbClr val="2200CC"/>
       </a:hlink>
       <a:folHlink>
-        <a:srgbClr val="0097A7"/>
+        <a:srgbClr val="551A8B"/>
       </a:folHlink>
     </a:clrScheme>
     <a:fontScheme name="Office">
@@ -16721,9 +16721,9 @@
 </file>
 
 <file path=ppt/theme/theme3.xml><?xml version="1.0" encoding="utf-8"?>
-<a:theme xmlns:a="http://schemas.openxmlformats.org/drawingml/2006/main" xmlns:r="http://schemas.openxmlformats.org/officeDocument/2006/relationships" name="Custom Theme">
+<a:theme xmlns:a="http://schemas.openxmlformats.org/drawingml/2006/main" xmlns:r="http://schemas.openxmlformats.org/officeDocument/2006/relationships" name="Simple Light">
   <a:themeElements>
-    <a:clrScheme name="Default">
+    <a:clrScheme name="Simple Light">
       <a:dk1>
         <a:srgbClr val="000000"/>
       </a:dk1>
@@ -16731,34 +16731,34 @@
         <a:srgbClr val="FFFFFF"/>
       </a:lt1>
       <a:dk2>
-        <a:srgbClr val="158158"/>
+        <a:srgbClr val="595959"/>
       </a:dk2>
       <a:lt2>
-        <a:srgbClr val="F3F3F3"/>
+        <a:srgbClr val="EEEEEE"/>
       </a:lt2>
       <a:accent1>
-        <a:srgbClr val="058DC7"/>
+        <a:srgbClr val="FFAB40"/>
       </a:accent1>
       <a:accent2>
-        <a:srgbClr val="50B432"/>
+        <a:srgbClr val="212121"/>
       </a:accent2>
       <a:accent3>
-        <a:srgbClr val="ED561B"/>
+        <a:srgbClr val="78909C"/>
       </a:accent3>
       <a:accent4>
-        <a:srgbClr val="EDEF00"/>
+        <a:srgbClr val="FFAB40"/>
       </a:accent4>
       <a:accent5>
-        <a:srgbClr val="24CBE5"/>
+        <a:srgbClr val="0097A7"/>
       </a:accent5>
       <a:accent6>
-        <a:srgbClr val="64E572"/>
+        <a:srgbClr val="EEFF41"/>
       </a:accent6>
       <a:hlink>
-        <a:srgbClr val="2200CC"/>
+        <a:srgbClr val="0097A7"/>
       </a:hlink>
       <a:folHlink>
-        <a:srgbClr val="551A8B"/>
+        <a:srgbClr val="0097A7"/>
       </a:folHlink>
     </a:clrScheme>
     <a:fontScheme name="Office">
